--- a/trunk/Fremlæggelse/Rubik’s Cube.pptx
+++ b/trunk/Fremlæggelse/Rubik’s Cube.pptx
@@ -5,7 +5,7 @@
     <p:sldMasterId id="2147483648" r:id="rId1"/>
   </p:sldMasterIdLst>
   <p:notesMasterIdLst>
-    <p:notesMasterId r:id="rId17"/>
+    <p:notesMasterId r:id="rId18"/>
   </p:notesMasterIdLst>
   <p:sldIdLst>
     <p:sldId id="256" r:id="rId2"/>
@@ -21,8 +21,9 @@
     <p:sldId id="265" r:id="rId12"/>
     <p:sldId id="269" r:id="rId13"/>
     <p:sldId id="266" r:id="rId14"/>
-    <p:sldId id="270" r:id="rId15"/>
-    <p:sldId id="267" r:id="rId16"/>
+    <p:sldId id="271" r:id="rId15"/>
+    <p:sldId id="270" r:id="rId16"/>
+    <p:sldId id="267" r:id="rId17"/>
   </p:sldIdLst>
   <p:sldSz cx="9144000" cy="6858000" type="screen4x3"/>
   <p:notesSz cx="6858000" cy="9144000"/>
@@ -206,7 +207,8 @@
           <a:p>
             <a:fld id="{04E92601-3B35-40A0-95B0-5B1DF3570CFB}" type="datetimeFigureOut">
               <a:rPr lang="da-DK" smtClean="0"/>
-              <a:t>21-06-2010</a:t>
+              <a:pPr/>
+              <a:t>22-06-2010</a:t>
             </a:fld>
             <a:endParaRPr lang="da-DK"/>
           </a:p>
@@ -367,6 +369,7 @@
           <a:p>
             <a:fld id="{C04A96C6-9E93-4606-A87C-DBADAE4B0405}" type="slidenum">
               <a:rPr lang="da-DK" smtClean="0"/>
+              <a:pPr/>
               <a:t>‹nr.›</a:t>
             </a:fld>
             <a:endParaRPr lang="da-DK"/>
@@ -542,6 +545,7 @@
           <a:p>
             <a:fld id="{C04A96C6-9E93-4606-A87C-DBADAE4B0405}" type="slidenum">
               <a:rPr lang="da-DK" smtClean="0"/>
+              <a:pPr/>
               <a:t>1</a:t>
             </a:fld>
             <a:endParaRPr lang="da-DK"/>
@@ -626,6 +630,7 @@
           <a:p>
             <a:fld id="{C04A96C6-9E93-4606-A87C-DBADAE4B0405}" type="slidenum">
               <a:rPr lang="da-DK" smtClean="0"/>
+              <a:pPr/>
               <a:t>10</a:t>
             </a:fld>
             <a:endParaRPr lang="da-DK"/>
@@ -711,6 +716,7 @@
           <a:p>
             <a:fld id="{C04A96C6-9E93-4606-A87C-DBADAE4B0405}" type="slidenum">
               <a:rPr lang="da-DK" smtClean="0"/>
+              <a:pPr/>
               <a:t>11</a:t>
             </a:fld>
             <a:endParaRPr lang="da-DK"/>
@@ -796,6 +802,7 @@
           <a:p>
             <a:fld id="{C04A96C6-9E93-4606-A87C-DBADAE4B0405}" type="slidenum">
               <a:rPr lang="da-DK" smtClean="0"/>
+              <a:pPr/>
               <a:t>12</a:t>
             </a:fld>
             <a:endParaRPr lang="da-DK"/>
@@ -881,6 +888,7 @@
           <a:p>
             <a:fld id="{C04A96C6-9E93-4606-A87C-DBADAE4B0405}" type="slidenum">
               <a:rPr lang="da-DK" smtClean="0"/>
+              <a:pPr/>
               <a:t>13</a:t>
             </a:fld>
             <a:endParaRPr lang="da-DK"/>
@@ -966,6 +974,7 @@
           <a:p>
             <a:fld id="{C04A96C6-9E93-4606-A87C-DBADAE4B0405}" type="slidenum">
               <a:rPr lang="da-DK" smtClean="0"/>
+              <a:pPr/>
               <a:t>2</a:t>
             </a:fld>
             <a:endParaRPr lang="da-DK"/>
@@ -1050,6 +1059,7 @@
           <a:p>
             <a:fld id="{C04A96C6-9E93-4606-A87C-DBADAE4B0405}" type="slidenum">
               <a:rPr lang="da-DK" smtClean="0"/>
+              <a:pPr/>
               <a:t>3</a:t>
             </a:fld>
             <a:endParaRPr lang="da-DK"/>
@@ -1135,6 +1145,7 @@
           <a:p>
             <a:fld id="{C04A96C6-9E93-4606-A87C-DBADAE4B0405}" type="slidenum">
               <a:rPr lang="da-DK" smtClean="0"/>
+              <a:pPr/>
               <a:t>4</a:t>
             </a:fld>
             <a:endParaRPr lang="da-DK"/>
@@ -1220,6 +1231,7 @@
           <a:p>
             <a:fld id="{C04A96C6-9E93-4606-A87C-DBADAE4B0405}" type="slidenum">
               <a:rPr lang="da-DK" smtClean="0"/>
+              <a:pPr/>
               <a:t>5</a:t>
             </a:fld>
             <a:endParaRPr lang="da-DK"/>
@@ -1305,6 +1317,7 @@
           <a:p>
             <a:fld id="{C04A96C6-9E93-4606-A87C-DBADAE4B0405}" type="slidenum">
               <a:rPr lang="da-DK" smtClean="0"/>
+              <a:pPr/>
               <a:t>6</a:t>
             </a:fld>
             <a:endParaRPr lang="da-DK"/>
@@ -1390,6 +1403,7 @@
           <a:p>
             <a:fld id="{C04A96C6-9E93-4606-A87C-DBADAE4B0405}" type="slidenum">
               <a:rPr lang="da-DK" smtClean="0"/>
+              <a:pPr/>
               <a:t>7</a:t>
             </a:fld>
             <a:endParaRPr lang="da-DK"/>
@@ -1505,6 +1519,7 @@
           <a:p>
             <a:fld id="{C04A96C6-9E93-4606-A87C-DBADAE4B0405}" type="slidenum">
               <a:rPr lang="da-DK" smtClean="0"/>
+              <a:pPr/>
               <a:t>8</a:t>
             </a:fld>
             <a:endParaRPr lang="da-DK"/>
@@ -1596,6 +1611,7 @@
           <a:p>
             <a:fld id="{C04A96C6-9E93-4606-A87C-DBADAE4B0405}" type="slidenum">
               <a:rPr lang="da-DK" smtClean="0"/>
+              <a:pPr/>
               <a:t>9</a:t>
             </a:fld>
             <a:endParaRPr lang="da-DK"/>
@@ -1791,7 +1807,8 @@
           <a:p>
             <a:fld id="{E5612F9E-66BE-4903-BDC4-0E158DBBA162}" type="datetimeFigureOut">
               <a:rPr lang="da-DK" smtClean="0"/>
-              <a:t>21-06-2010</a:t>
+              <a:pPr/>
+              <a:t>22-06-2010</a:t>
             </a:fld>
             <a:endParaRPr lang="da-DK"/>
           </a:p>
@@ -1833,6 +1850,7 @@
           <a:p>
             <a:fld id="{90E9A36E-7D21-4D7B-9592-78FD6C2A4FFC}" type="slidenum">
               <a:rPr lang="da-DK" smtClean="0"/>
+              <a:pPr/>
               <a:t>‹nr.›</a:t>
             </a:fld>
             <a:endParaRPr lang="da-DK"/>
@@ -1956,7 +1974,8 @@
           <a:p>
             <a:fld id="{E5612F9E-66BE-4903-BDC4-0E158DBBA162}" type="datetimeFigureOut">
               <a:rPr lang="da-DK" smtClean="0"/>
-              <a:t>21-06-2010</a:t>
+              <a:pPr/>
+              <a:t>22-06-2010</a:t>
             </a:fld>
             <a:endParaRPr lang="da-DK"/>
           </a:p>
@@ -1998,6 +2017,7 @@
           <a:p>
             <a:fld id="{90E9A36E-7D21-4D7B-9592-78FD6C2A4FFC}" type="slidenum">
               <a:rPr lang="da-DK" smtClean="0"/>
+              <a:pPr/>
               <a:t>‹nr.›</a:t>
             </a:fld>
             <a:endParaRPr lang="da-DK"/>
@@ -2131,7 +2151,8 @@
           <a:p>
             <a:fld id="{E5612F9E-66BE-4903-BDC4-0E158DBBA162}" type="datetimeFigureOut">
               <a:rPr lang="da-DK" smtClean="0"/>
-              <a:t>21-06-2010</a:t>
+              <a:pPr/>
+              <a:t>22-06-2010</a:t>
             </a:fld>
             <a:endParaRPr lang="da-DK"/>
           </a:p>
@@ -2173,6 +2194,7 @@
           <a:p>
             <a:fld id="{90E9A36E-7D21-4D7B-9592-78FD6C2A4FFC}" type="slidenum">
               <a:rPr lang="da-DK" smtClean="0"/>
+              <a:pPr/>
               <a:t>‹nr.›</a:t>
             </a:fld>
             <a:endParaRPr lang="da-DK"/>
@@ -2296,7 +2318,8 @@
           <a:p>
             <a:fld id="{E5612F9E-66BE-4903-BDC4-0E158DBBA162}" type="datetimeFigureOut">
               <a:rPr lang="da-DK" smtClean="0"/>
-              <a:t>21-06-2010</a:t>
+              <a:pPr/>
+              <a:t>22-06-2010</a:t>
             </a:fld>
             <a:endParaRPr lang="da-DK"/>
           </a:p>
@@ -2338,6 +2361,7 @@
           <a:p>
             <a:fld id="{90E9A36E-7D21-4D7B-9592-78FD6C2A4FFC}" type="slidenum">
               <a:rPr lang="da-DK" smtClean="0"/>
+              <a:pPr/>
               <a:t>‹nr.›</a:t>
             </a:fld>
             <a:endParaRPr lang="da-DK"/>
@@ -2537,7 +2561,8 @@
           <a:p>
             <a:fld id="{E5612F9E-66BE-4903-BDC4-0E158DBBA162}" type="datetimeFigureOut">
               <a:rPr lang="da-DK" smtClean="0"/>
-              <a:t>21-06-2010</a:t>
+              <a:pPr/>
+              <a:t>22-06-2010</a:t>
             </a:fld>
             <a:endParaRPr lang="da-DK"/>
           </a:p>
@@ -2579,6 +2604,7 @@
           <a:p>
             <a:fld id="{90E9A36E-7D21-4D7B-9592-78FD6C2A4FFC}" type="slidenum">
               <a:rPr lang="da-DK" smtClean="0"/>
+              <a:pPr/>
               <a:t>‹nr.›</a:t>
             </a:fld>
             <a:endParaRPr lang="da-DK"/>
@@ -2820,7 +2846,8 @@
           <a:p>
             <a:fld id="{E5612F9E-66BE-4903-BDC4-0E158DBBA162}" type="datetimeFigureOut">
               <a:rPr lang="da-DK" smtClean="0"/>
-              <a:t>21-06-2010</a:t>
+              <a:pPr/>
+              <a:t>22-06-2010</a:t>
             </a:fld>
             <a:endParaRPr lang="da-DK"/>
           </a:p>
@@ -2862,6 +2889,7 @@
           <a:p>
             <a:fld id="{90E9A36E-7D21-4D7B-9592-78FD6C2A4FFC}" type="slidenum">
               <a:rPr lang="da-DK" smtClean="0"/>
+              <a:pPr/>
               <a:t>‹nr.›</a:t>
             </a:fld>
             <a:endParaRPr lang="da-DK"/>
@@ -3237,7 +3265,8 @@
           <a:p>
             <a:fld id="{E5612F9E-66BE-4903-BDC4-0E158DBBA162}" type="datetimeFigureOut">
               <a:rPr lang="da-DK" smtClean="0"/>
-              <a:t>21-06-2010</a:t>
+              <a:pPr/>
+              <a:t>22-06-2010</a:t>
             </a:fld>
             <a:endParaRPr lang="da-DK"/>
           </a:p>
@@ -3279,6 +3308,7 @@
           <a:p>
             <a:fld id="{90E9A36E-7D21-4D7B-9592-78FD6C2A4FFC}" type="slidenum">
               <a:rPr lang="da-DK" smtClean="0"/>
+              <a:pPr/>
               <a:t>‹nr.›</a:t>
             </a:fld>
             <a:endParaRPr lang="da-DK"/>
@@ -3350,7 +3380,8 @@
           <a:p>
             <a:fld id="{E5612F9E-66BE-4903-BDC4-0E158DBBA162}" type="datetimeFigureOut">
               <a:rPr lang="da-DK" smtClean="0"/>
-              <a:t>21-06-2010</a:t>
+              <a:pPr/>
+              <a:t>22-06-2010</a:t>
             </a:fld>
             <a:endParaRPr lang="da-DK"/>
           </a:p>
@@ -3392,6 +3423,7 @@
           <a:p>
             <a:fld id="{90E9A36E-7D21-4D7B-9592-78FD6C2A4FFC}" type="slidenum">
               <a:rPr lang="da-DK" smtClean="0"/>
+              <a:pPr/>
               <a:t>‹nr.›</a:t>
             </a:fld>
             <a:endParaRPr lang="da-DK"/>
@@ -3440,7 +3472,8 @@
           <a:p>
             <a:fld id="{E5612F9E-66BE-4903-BDC4-0E158DBBA162}" type="datetimeFigureOut">
               <a:rPr lang="da-DK" smtClean="0"/>
-              <a:t>21-06-2010</a:t>
+              <a:pPr/>
+              <a:t>22-06-2010</a:t>
             </a:fld>
             <a:endParaRPr lang="da-DK"/>
           </a:p>
@@ -3482,6 +3515,7 @@
           <a:p>
             <a:fld id="{90E9A36E-7D21-4D7B-9592-78FD6C2A4FFC}" type="slidenum">
               <a:rPr lang="da-DK" smtClean="0"/>
+              <a:pPr/>
               <a:t>‹nr.›</a:t>
             </a:fld>
             <a:endParaRPr lang="da-DK"/>
@@ -3712,7 +3746,8 @@
           <a:p>
             <a:fld id="{E5612F9E-66BE-4903-BDC4-0E158DBBA162}" type="datetimeFigureOut">
               <a:rPr lang="da-DK" smtClean="0"/>
-              <a:t>21-06-2010</a:t>
+              <a:pPr/>
+              <a:t>22-06-2010</a:t>
             </a:fld>
             <a:endParaRPr lang="da-DK"/>
           </a:p>
@@ -3754,6 +3789,7 @@
           <a:p>
             <a:fld id="{90E9A36E-7D21-4D7B-9592-78FD6C2A4FFC}" type="slidenum">
               <a:rPr lang="da-DK" smtClean="0"/>
+              <a:pPr/>
               <a:t>‹nr.›</a:t>
             </a:fld>
             <a:endParaRPr lang="da-DK"/>
@@ -3960,7 +3996,8 @@
           <a:p>
             <a:fld id="{E5612F9E-66BE-4903-BDC4-0E158DBBA162}" type="datetimeFigureOut">
               <a:rPr lang="da-DK" smtClean="0"/>
-              <a:t>21-06-2010</a:t>
+              <a:pPr/>
+              <a:t>22-06-2010</a:t>
             </a:fld>
             <a:endParaRPr lang="da-DK"/>
           </a:p>
@@ -4002,6 +4039,7 @@
           <a:p>
             <a:fld id="{90E9A36E-7D21-4D7B-9592-78FD6C2A4FFC}" type="slidenum">
               <a:rPr lang="da-DK" smtClean="0"/>
+              <a:pPr/>
               <a:t>‹nr.›</a:t>
             </a:fld>
             <a:endParaRPr lang="da-DK"/>
@@ -4168,7 +4206,8 @@
           <a:p>
             <a:fld id="{E5612F9E-66BE-4903-BDC4-0E158DBBA162}" type="datetimeFigureOut">
               <a:rPr lang="da-DK" smtClean="0"/>
-              <a:t>21-06-2010</a:t>
+              <a:pPr/>
+              <a:t>22-06-2010</a:t>
             </a:fld>
             <a:endParaRPr lang="da-DK"/>
           </a:p>
@@ -4246,6 +4285,7 @@
           <a:p>
             <a:fld id="{90E9A36E-7D21-4D7B-9592-78FD6C2A4FFC}" type="slidenum">
               <a:rPr lang="da-DK" smtClean="0"/>
+              <a:pPr/>
               <a:t>‹nr.›</a:t>
             </a:fld>
             <a:endParaRPr lang="da-DK"/>
@@ -5002,15 +5042,179 @@
             <a:spLocks noGrp="1"/>
           </p:cNvSpPr>
           <p:nvPr>
-            <p:ph idx="1"/>
-          </p:nvPr>
-        </p:nvSpPr>
-        <p:spPr/>
-        <p:txBody>
-          <a:bodyPr/>
-          <a:lstStyle/>
-          <a:p>
-            <a:endParaRPr lang="da-DK"/>
+            <p:ph sz="half" idx="1"/>
+          </p:nvPr>
+        </p:nvSpPr>
+        <p:spPr>
+          <a:xfrm>
+            <a:off x="457200" y="1600200"/>
+            <a:ext cx="8219256" cy="4525963"/>
+          </a:xfrm>
+        </p:spPr>
+        <p:txBody>
+          <a:bodyPr/>
+          <a:lstStyle/>
+          <a:p>
+            <a:r>
+              <a:rPr lang="en-US" dirty="0" smtClean="0"/>
+              <a:t>How have the upper and lower bounds of the Rubik's Cube </a:t>
+            </a:r>
+            <a:r>
+              <a:rPr lang="en-US" dirty="0" smtClean="0"/>
+              <a:t>progressed and </a:t>
+            </a:r>
+            <a:r>
+              <a:rPr lang="en-US" dirty="0" smtClean="0"/>
+              <a:t>how have they been proven</a:t>
+            </a:r>
+            <a:r>
+              <a:rPr lang="en-US" dirty="0" smtClean="0"/>
+              <a:t>?</a:t>
+            </a:r>
+          </a:p>
+          <a:p>
+            <a:pPr lvl="1"/>
+            <a:r>
+              <a:rPr lang="en-US" dirty="0" smtClean="0"/>
+              <a:t>Den </a:t>
+            </a:r>
+            <a:r>
+              <a:rPr lang="en-US" dirty="0" err="1" smtClean="0"/>
+              <a:t>øvre</a:t>
+            </a:r>
+            <a:r>
+              <a:rPr lang="en-US" dirty="0" smtClean="0"/>
+              <a:t> </a:t>
+            </a:r>
+            <a:r>
+              <a:rPr lang="en-US" dirty="0" err="1" smtClean="0"/>
+              <a:t>grænse</a:t>
+            </a:r>
+            <a:r>
+              <a:rPr lang="en-US" dirty="0" smtClean="0"/>
+              <a:t> </a:t>
+            </a:r>
+            <a:r>
+              <a:rPr lang="en-US" dirty="0" err="1" smtClean="0"/>
+              <a:t>er</a:t>
+            </a:r>
+            <a:r>
+              <a:rPr lang="en-US" dirty="0" smtClean="0"/>
+              <a:t> </a:t>
+            </a:r>
+            <a:r>
+              <a:rPr lang="en-US" dirty="0" err="1" smtClean="0"/>
+              <a:t>bevist</a:t>
+            </a:r>
+            <a:endParaRPr lang="en-US" dirty="0" smtClean="0"/>
+          </a:p>
+          <a:p>
+            <a:pPr lvl="1">
+              <a:buNone/>
+            </a:pPr>
+            <a:r>
+              <a:rPr lang="en-US" dirty="0" smtClean="0"/>
+              <a:t>	</a:t>
+            </a:r>
+            <a:r>
+              <a:rPr lang="en-US" dirty="0" smtClean="0"/>
+              <a:t>med </a:t>
+            </a:r>
+            <a:r>
+              <a:rPr lang="en-US" dirty="0" err="1" smtClean="0"/>
+              <a:t>Rokicki’s</a:t>
+            </a:r>
+            <a:r>
+              <a:rPr lang="en-US" dirty="0" smtClean="0"/>
+              <a:t> set solver.</a:t>
+            </a:r>
+          </a:p>
+          <a:p>
+            <a:pPr lvl="1"/>
+            <a:r>
+              <a:rPr lang="en-US" dirty="0" smtClean="0"/>
+              <a:t>Den </a:t>
+            </a:r>
+            <a:r>
+              <a:rPr lang="en-US" dirty="0" err="1" smtClean="0"/>
+              <a:t>nedre</a:t>
+            </a:r>
+            <a:r>
+              <a:rPr lang="en-US" dirty="0" smtClean="0"/>
+              <a:t> </a:t>
+            </a:r>
+            <a:r>
+              <a:rPr lang="en-US" dirty="0" err="1" smtClean="0"/>
+              <a:t>grænse</a:t>
+            </a:r>
+            <a:r>
+              <a:rPr lang="en-US" dirty="0" smtClean="0"/>
+              <a:t> </a:t>
+            </a:r>
+          </a:p>
+          <a:p>
+            <a:pPr lvl="1">
+              <a:buNone/>
+            </a:pPr>
+            <a:r>
+              <a:rPr lang="en-US" dirty="0" smtClean="0"/>
+              <a:t>	</a:t>
+            </a:r>
+            <a:r>
+              <a:rPr lang="en-US" dirty="0" err="1" smtClean="0"/>
+              <a:t>bevist</a:t>
+            </a:r>
+            <a:r>
+              <a:rPr lang="en-US" dirty="0" smtClean="0"/>
+              <a:t> </a:t>
+            </a:r>
+            <a:r>
+              <a:rPr lang="en-US" dirty="0" err="1" smtClean="0"/>
+              <a:t>ved</a:t>
+            </a:r>
+            <a:r>
+              <a:rPr lang="en-US" dirty="0" smtClean="0"/>
+              <a:t> test.</a:t>
+            </a:r>
+          </a:p>
+          <a:p>
+            <a:pPr lvl="1"/>
+            <a:endParaRPr lang="en-US" dirty="0" smtClean="0"/>
+          </a:p>
+        </p:txBody>
+      </p:sp>
+      <p:sp>
+        <p:nvSpPr>
+          <p:cNvPr id="4" name="Pladsholder til indhold 3"/>
+          <p:cNvSpPr>
+            <a:spLocks noGrp="1"/>
+          </p:cNvSpPr>
+          <p:nvPr>
+            <p:ph sz="half" idx="2"/>
+          </p:nvPr>
+        </p:nvSpPr>
+        <p:spPr>
+          <a:xfrm>
+            <a:off x="4648200" y="2564904"/>
+            <a:ext cx="4038600" cy="3561259"/>
+          </a:xfrm>
+        </p:spPr>
+        <p:txBody>
+          <a:bodyPr/>
+          <a:lstStyle/>
+          <a:p>
+            <a:r>
+              <a:rPr lang="da-DK" dirty="0" smtClean="0"/>
+              <a:t>Indsæt billede af </a:t>
+            </a:r>
+            <a:r>
+              <a:rPr lang="da-DK" dirty="0" err="1" smtClean="0"/>
+              <a:t>bounds</a:t>
+            </a:r>
+            <a:endParaRPr lang="da-DK" dirty="0" smtClean="0"/>
+          </a:p>
+          <a:p>
+            <a:endParaRPr lang="da-DK" dirty="0"/>
           </a:p>
         </p:txBody>
       </p:sp>
@@ -5062,8 +5266,8 @@
           <a:lstStyle/>
           <a:p>
             <a:r>
-              <a:rPr lang="da-DK" dirty="0" err="1" smtClean="0"/>
-              <a:t>Processanalyse</a:t>
+              <a:rPr lang="da-DK" dirty="0" smtClean="0"/>
+              <a:t>Konklusion</a:t>
             </a:r>
             <a:endParaRPr lang="da-DK" dirty="0"/>
           </a:p>
@@ -5084,7 +5288,134 @@
           <a:bodyPr/>
           <a:lstStyle/>
           <a:p>
-            <a:endParaRPr lang="da-DK"/>
+            <a:r>
+              <a:rPr lang="en-US" dirty="0" smtClean="0"/>
+              <a:t>How </a:t>
+            </a:r>
+            <a:r>
+              <a:rPr lang="en-US" dirty="0" smtClean="0"/>
+              <a:t>efficient </a:t>
+            </a:r>
+            <a:r>
+              <a:rPr lang="en-US" dirty="0" smtClean="0"/>
+              <a:t>is </a:t>
+            </a:r>
+            <a:r>
+              <a:rPr lang="en-US" dirty="0" err="1" smtClean="0"/>
+              <a:t>Kociemba's</a:t>
+            </a:r>
+            <a:r>
+              <a:rPr lang="en-US" dirty="0" smtClean="0"/>
+              <a:t> optimal solver compared to </a:t>
+            </a:r>
+            <a:r>
+              <a:rPr lang="en-US" dirty="0" smtClean="0"/>
+              <a:t>beginner‘s algorithm </a:t>
+            </a:r>
+            <a:r>
+              <a:rPr lang="en-US" dirty="0" smtClean="0"/>
+              <a:t>and how can this be tested</a:t>
+            </a:r>
+            <a:r>
+              <a:rPr lang="en-US" dirty="0" smtClean="0"/>
+              <a:t>?</a:t>
+            </a:r>
+          </a:p>
+          <a:p>
+            <a:pPr lvl="1"/>
+            <a:r>
+              <a:rPr lang="en-US" dirty="0" smtClean="0"/>
+              <a:t>Twist-wise</a:t>
+            </a:r>
+          </a:p>
+          <a:p>
+            <a:pPr lvl="2"/>
+            <a:r>
+              <a:rPr lang="en-US" dirty="0" err="1" smtClean="0"/>
+              <a:t>Begynderens</a:t>
+            </a:r>
+            <a:r>
+              <a:rPr lang="en-US" dirty="0" smtClean="0"/>
+              <a:t> </a:t>
+            </a:r>
+            <a:r>
+              <a:rPr lang="en-US" dirty="0" err="1" smtClean="0"/>
+              <a:t>bruger</a:t>
+            </a:r>
+            <a:r>
+              <a:rPr lang="en-US" dirty="0" smtClean="0"/>
+              <a:t> </a:t>
+            </a:r>
+            <a:r>
+              <a:rPr lang="en-US" dirty="0" err="1" smtClean="0"/>
+              <a:t>i</a:t>
+            </a:r>
+            <a:r>
+              <a:rPr lang="en-US" dirty="0" smtClean="0"/>
+              <a:t> snit 151 </a:t>
+            </a:r>
+            <a:r>
+              <a:rPr lang="en-US" dirty="0" err="1" smtClean="0"/>
+              <a:t>træk</a:t>
+            </a:r>
+            <a:endParaRPr lang="en-US" dirty="0" smtClean="0"/>
+          </a:p>
+          <a:p>
+            <a:pPr lvl="2"/>
+            <a:r>
+              <a:rPr lang="en-US" dirty="0" err="1" smtClean="0"/>
+              <a:t>Kociemba’s</a:t>
+            </a:r>
+            <a:r>
+              <a:rPr lang="en-US" dirty="0" smtClean="0"/>
+              <a:t> </a:t>
+            </a:r>
+            <a:r>
+              <a:rPr lang="en-US" dirty="0" err="1" smtClean="0"/>
+              <a:t>bruger</a:t>
+            </a:r>
+            <a:r>
+              <a:rPr lang="en-US" dirty="0" smtClean="0"/>
+              <a:t> </a:t>
+            </a:r>
+            <a:r>
+              <a:rPr lang="en-US" dirty="0" err="1" smtClean="0"/>
+              <a:t>altid</a:t>
+            </a:r>
+            <a:r>
+              <a:rPr lang="en-US" dirty="0" smtClean="0"/>
+              <a:t> under 22 </a:t>
+            </a:r>
+            <a:r>
+              <a:rPr lang="en-US" dirty="0" err="1" smtClean="0"/>
+              <a:t>træk</a:t>
+            </a:r>
+            <a:endParaRPr lang="en-US" dirty="0" smtClean="0"/>
+          </a:p>
+          <a:p>
+            <a:pPr lvl="1"/>
+            <a:r>
+              <a:rPr lang="en-US" dirty="0" smtClean="0"/>
+              <a:t>Time-wise</a:t>
+            </a:r>
+          </a:p>
+          <a:p>
+            <a:pPr lvl="2"/>
+            <a:r>
+              <a:rPr lang="en-US" dirty="0" smtClean="0"/>
+              <a:t>1,2*10^18</a:t>
+            </a:r>
+          </a:p>
+          <a:p>
+            <a:pPr lvl="1"/>
+            <a:r>
+              <a:rPr lang="en-US" dirty="0" smtClean="0"/>
+              <a:t>Computer tests</a:t>
+            </a:r>
+            <a:endParaRPr lang="en-US" dirty="0" smtClean="0"/>
+          </a:p>
+          <a:p>
+            <a:endParaRPr lang="da-DK" dirty="0"/>
           </a:p>
         </p:txBody>
       </p:sp>
@@ -5097,6 +5428,73 @@
 </file>
 
 <file path=ppt/slides/slide15.xml><?xml version="1.0" encoding="utf-8"?>
+<p:sld xmlns:a="http://schemas.openxmlformats.org/drawingml/2006/main" xmlns:r="http://schemas.openxmlformats.org/officeDocument/2006/relationships" xmlns:p="http://schemas.openxmlformats.org/presentationml/2006/main">
+  <p:cSld>
+    <p:spTree>
+      <p:nvGrpSpPr>
+        <p:cNvPr id="1" name=""/>
+        <p:cNvGrpSpPr/>
+        <p:nvPr/>
+      </p:nvGrpSpPr>
+      <p:grpSpPr>
+        <a:xfrm>
+          <a:off x="0" y="0"/>
+          <a:ext cx="0" cy="0"/>
+          <a:chOff x="0" y="0"/>
+          <a:chExt cx="0" cy="0"/>
+        </a:xfrm>
+      </p:grpSpPr>
+      <p:sp>
+        <p:nvSpPr>
+          <p:cNvPr id="2" name="Titel 1"/>
+          <p:cNvSpPr>
+            <a:spLocks noGrp="1"/>
+          </p:cNvSpPr>
+          <p:nvPr>
+            <p:ph type="title"/>
+          </p:nvPr>
+        </p:nvSpPr>
+        <p:spPr/>
+        <p:txBody>
+          <a:bodyPr/>
+          <a:lstStyle/>
+          <a:p>
+            <a:r>
+              <a:rPr lang="da-DK" dirty="0" err="1" smtClean="0"/>
+              <a:t>Processanalyse</a:t>
+            </a:r>
+            <a:endParaRPr lang="da-DK" dirty="0"/>
+          </a:p>
+        </p:txBody>
+      </p:sp>
+      <p:sp>
+        <p:nvSpPr>
+          <p:cNvPr id="3" name="Pladsholder til indhold 2"/>
+          <p:cNvSpPr>
+            <a:spLocks noGrp="1"/>
+          </p:cNvSpPr>
+          <p:nvPr>
+            <p:ph idx="1"/>
+          </p:nvPr>
+        </p:nvSpPr>
+        <p:spPr/>
+        <p:txBody>
+          <a:bodyPr/>
+          <a:lstStyle/>
+          <a:p>
+            <a:endParaRPr lang="da-DK"/>
+          </a:p>
+        </p:txBody>
+      </p:sp>
+    </p:spTree>
+  </p:cSld>
+  <p:clrMapOvr>
+    <a:masterClrMapping/>
+  </p:clrMapOvr>
+</p:sld>
+</file>
+
+<file path=ppt/slides/slide16.xml><?xml version="1.0" encoding="utf-8"?>
 <p:sld xmlns:a="http://schemas.openxmlformats.org/drawingml/2006/main" xmlns:r="http://schemas.openxmlformats.org/officeDocument/2006/relationships" xmlns:p="http://schemas.openxmlformats.org/presentationml/2006/main">
   <p:cSld>
     <p:spTree>
@@ -5472,6 +5870,55 @@
           <a:bodyPr/>
           <a:lstStyle/>
           <a:p>
+            <a:endParaRPr lang="en-US" smtClean="0"/>
+          </a:p>
+          <a:p>
+            <a:r>
+              <a:rPr lang="en-US" dirty="0" smtClean="0"/>
+              <a:t>How </a:t>
+            </a:r>
+            <a:r>
+              <a:rPr lang="en-US" dirty="0" smtClean="0"/>
+              <a:t>have the upper and lower bounds of the Rubik's Cube </a:t>
+            </a:r>
+            <a:r>
+              <a:rPr lang="en-US" dirty="0" smtClean="0"/>
+              <a:t>progressed and </a:t>
+            </a:r>
+            <a:r>
+              <a:rPr lang="en-US" dirty="0" smtClean="0"/>
+              <a:t>how have they been proven?</a:t>
+            </a:r>
+          </a:p>
+          <a:p>
+            <a:r>
+              <a:rPr lang="en-US" dirty="0" smtClean="0"/>
+              <a:t>How </a:t>
+            </a:r>
+            <a:r>
+              <a:rPr lang="en-US" dirty="0" smtClean="0"/>
+              <a:t>efficient </a:t>
+            </a:r>
+            <a:r>
+              <a:rPr lang="en-US" dirty="0" smtClean="0"/>
+              <a:t>is </a:t>
+            </a:r>
+            <a:r>
+              <a:rPr lang="en-US" dirty="0" err="1" smtClean="0"/>
+              <a:t>Kociemba's</a:t>
+            </a:r>
+            <a:r>
+              <a:rPr lang="en-US" dirty="0" smtClean="0"/>
+              <a:t> optimal solver compared to </a:t>
+            </a:r>
+            <a:r>
+              <a:rPr lang="en-US" dirty="0" smtClean="0"/>
+              <a:t>beginner‘s algorithm </a:t>
+            </a:r>
+            <a:r>
+              <a:rPr lang="en-US" dirty="0" smtClean="0"/>
+              <a:t>and how can this be tested?</a:t>
+            </a:r>
             <a:endParaRPr lang="da-DK" dirty="0"/>
           </a:p>
         </p:txBody>
@@ -5550,25 +5997,27 @@
           <a:p>
             <a:r>
               <a:rPr lang="da-DK" dirty="0" smtClean="0"/>
-              <a:t>Gruppe teori</a:t>
-            </a:r>
-          </a:p>
-          <a:p>
-            <a:r>
-              <a:rPr lang="da-DK" dirty="0" err="1" smtClean="0"/>
-              <a:t>Bounds</a:t>
+              <a:t>Gruppe </a:t>
+            </a:r>
+            <a:r>
+              <a:rPr lang="da-DK" dirty="0" smtClean="0"/>
+              <a:t>Teori</a:t>
             </a:r>
             <a:endParaRPr lang="da-DK" dirty="0" smtClean="0"/>
           </a:p>
           <a:p>
             <a:r>
-              <a:rPr lang="da-DK" dirty="0" err="1" smtClean="0"/>
-              <a:t>Beginner’s</a:t>
-            </a:r>
-            <a:r>
-              <a:rPr lang="da-DK" dirty="0" smtClean="0"/>
-              <a:t> algoritme</a:t>
-            </a:r>
+              <a:rPr lang="da-DK" dirty="0" smtClean="0"/>
+              <a:t>Grænser</a:t>
+            </a:r>
+            <a:endParaRPr lang="da-DK" dirty="0" smtClean="0"/>
+          </a:p>
+          <a:p>
+            <a:r>
+              <a:rPr lang="da-DK" dirty="0" smtClean="0"/>
+              <a:t>Begynderens Algoritme</a:t>
+            </a:r>
+            <a:endParaRPr lang="da-DK" dirty="0" smtClean="0"/>
           </a:p>
           <a:p>
             <a:r>
@@ -5577,14 +6026,20 @@
             </a:r>
             <a:r>
               <a:rPr lang="da-DK" dirty="0" smtClean="0"/>
-              <a:t> algoritme</a:t>
-            </a:r>
-          </a:p>
-          <a:p>
-            <a:r>
-              <a:rPr lang="da-DK" dirty="0" smtClean="0"/>
-              <a:t>Demo</a:t>
-            </a:r>
+              <a:t> </a:t>
+            </a:r>
+            <a:r>
+              <a:rPr lang="da-DK" dirty="0" smtClean="0"/>
+              <a:t>Optimale Løser</a:t>
+            </a:r>
+            <a:endParaRPr lang="da-DK" dirty="0" smtClean="0"/>
+          </a:p>
+          <a:p>
+            <a:r>
+              <a:rPr lang="da-DK" dirty="0" smtClean="0"/>
+              <a:t>Demonstration</a:t>
+            </a:r>
+            <a:endParaRPr lang="da-DK" dirty="0" smtClean="0"/>
           </a:p>
           <a:p>
             <a:r>
@@ -5751,11 +6206,7 @@
             <a:pPr lvl="1"/>
             <a:r>
               <a:rPr lang="da-DK" dirty="0" smtClean="0"/>
-              <a:t>Associativ lov: (</a:t>
-            </a:r>
-            <a:r>
-              <a:rPr lang="da-DK" dirty="0" smtClean="0"/>
-              <a:t>M</a:t>
+              <a:t>Associativ lov: (M</a:t>
             </a:r>
             <a:r>
               <a:rPr lang="da-DK" baseline="-25000" dirty="0" smtClean="0"/>
@@ -5771,11 +6222,7 @@
             </a:r>
             <a:r>
               <a:rPr lang="da-DK" dirty="0" smtClean="0"/>
-              <a:t>) *</a:t>
-            </a:r>
-            <a:r>
-              <a:rPr lang="da-DK" dirty="0" smtClean="0"/>
-              <a:t> M</a:t>
+              <a:t>) * M</a:t>
             </a:r>
             <a:r>
               <a:rPr lang="da-DK" baseline="-25000" dirty="0" smtClean="0"/>
@@ -6020,7 +6467,11 @@
           <a:p>
             <a:r>
               <a:rPr lang="da-DK" dirty="0" smtClean="0"/>
-              <a:t>Begynderens algoritme</a:t>
+              <a:t>Begynderens </a:t>
+            </a:r>
+            <a:r>
+              <a:rPr lang="da-DK" dirty="0" smtClean="0"/>
+              <a:t>Algoritme</a:t>
             </a:r>
             <a:endParaRPr lang="da-DK" dirty="0"/>
           </a:p>
@@ -6065,7 +6516,6 @@
               <a:rPr lang="da-DK" dirty="0" smtClean="0"/>
               <a:t>Lineær eksekvering</a:t>
             </a:r>
-            <a:endParaRPr lang="da-DK" dirty="0" smtClean="0"/>
           </a:p>
           <a:p>
             <a:r>
@@ -6145,7 +6595,11 @@
             </a:r>
             <a:r>
               <a:rPr lang="da-DK" dirty="0" smtClean="0"/>
-              <a:t> optimale løser</a:t>
+              <a:t> </a:t>
+            </a:r>
+            <a:r>
+              <a:rPr lang="da-DK" dirty="0" smtClean="0"/>
+              <a:t>Optimale Løser</a:t>
             </a:r>
             <a:endParaRPr lang="da-DK" dirty="0"/>
           </a:p>
@@ -6186,7 +6640,6 @@
               <a:rPr lang="da-DK" dirty="0" smtClean="0"/>
               <a:t>Bredde først søge algoritme</a:t>
             </a:r>
-            <a:endParaRPr lang="da-DK" dirty="0" smtClean="0"/>
           </a:p>
           <a:p>
             <a:r>

--- a/trunk/Fremlæggelse/Rubik’s Cube.pptx
+++ b/trunk/Fremlæggelse/Rubik’s Cube.pptx
@@ -890,6 +890,178 @@
               <a:rPr lang="da-DK" smtClean="0"/>
               <a:pPr/>
               <a:t>13</a:t>
+            </a:fld>
+            <a:endParaRPr lang="da-DK"/>
+          </a:p>
+        </p:txBody>
+      </p:sp>
+    </p:spTree>
+  </p:cSld>
+  <p:clrMapOvr>
+    <a:masterClrMapping/>
+  </p:clrMapOvr>
+</p:notes>
+</file>
+
+<file path=ppt/notesSlides/notesSlide14.xml><?xml version="1.0" encoding="utf-8"?>
+<p:notes xmlns:a="http://schemas.openxmlformats.org/drawingml/2006/main" xmlns:r="http://schemas.openxmlformats.org/officeDocument/2006/relationships" xmlns:p="http://schemas.openxmlformats.org/presentationml/2006/main">
+  <p:cSld>
+    <p:spTree>
+      <p:nvGrpSpPr>
+        <p:cNvPr id="1" name=""/>
+        <p:cNvGrpSpPr/>
+        <p:nvPr/>
+      </p:nvGrpSpPr>
+      <p:grpSpPr>
+        <a:xfrm>
+          <a:off x="0" y="0"/>
+          <a:ext cx="0" cy="0"/>
+          <a:chOff x="0" y="0"/>
+          <a:chExt cx="0" cy="0"/>
+        </a:xfrm>
+      </p:grpSpPr>
+      <p:sp>
+        <p:nvSpPr>
+          <p:cNvPr id="2" name="Pladsholder til diasbillede 1"/>
+          <p:cNvSpPr>
+            <a:spLocks noGrp="1" noRot="1" noChangeAspect="1"/>
+          </p:cNvSpPr>
+          <p:nvPr>
+            <p:ph type="sldImg"/>
+          </p:nvPr>
+        </p:nvSpPr>
+        <p:spPr/>
+      </p:sp>
+      <p:sp>
+        <p:nvSpPr>
+          <p:cNvPr id="3" name="Pladsholder til noter 2"/>
+          <p:cNvSpPr>
+            <a:spLocks noGrp="1"/>
+          </p:cNvSpPr>
+          <p:nvPr>
+            <p:ph type="body" idx="1"/>
+          </p:nvPr>
+        </p:nvSpPr>
+        <p:spPr/>
+        <p:txBody>
+          <a:bodyPr>
+            <a:normAutofit/>
+          </a:bodyPr>
+          <a:lstStyle/>
+          <a:p>
+            <a:r>
+              <a:rPr lang="da-DK" dirty="0" smtClean="0"/>
+              <a:t>Mikkel</a:t>
+            </a:r>
+            <a:endParaRPr lang="da-DK" dirty="0"/>
+          </a:p>
+        </p:txBody>
+      </p:sp>
+      <p:sp>
+        <p:nvSpPr>
+          <p:cNvPr id="4" name="Pladsholder til diasnummer 3"/>
+          <p:cNvSpPr>
+            <a:spLocks noGrp="1"/>
+          </p:cNvSpPr>
+          <p:nvPr>
+            <p:ph type="sldNum" sz="quarter" idx="10"/>
+          </p:nvPr>
+        </p:nvSpPr>
+        <p:spPr/>
+        <p:txBody>
+          <a:bodyPr/>
+          <a:lstStyle/>
+          <a:p>
+            <a:fld id="{C04A96C6-9E93-4606-A87C-DBADAE4B0405}" type="slidenum">
+              <a:rPr lang="da-DK" smtClean="0"/>
+              <a:pPr/>
+              <a:t>15</a:t>
+            </a:fld>
+            <a:endParaRPr lang="da-DK"/>
+          </a:p>
+        </p:txBody>
+      </p:sp>
+    </p:spTree>
+  </p:cSld>
+  <p:clrMapOvr>
+    <a:masterClrMapping/>
+  </p:clrMapOvr>
+</p:notes>
+</file>
+
+<file path=ppt/notesSlides/notesSlide15.xml><?xml version="1.0" encoding="utf-8"?>
+<p:notes xmlns:a="http://schemas.openxmlformats.org/drawingml/2006/main" xmlns:r="http://schemas.openxmlformats.org/officeDocument/2006/relationships" xmlns:p="http://schemas.openxmlformats.org/presentationml/2006/main">
+  <p:cSld>
+    <p:spTree>
+      <p:nvGrpSpPr>
+        <p:cNvPr id="1" name=""/>
+        <p:cNvGrpSpPr/>
+        <p:nvPr/>
+      </p:nvGrpSpPr>
+      <p:grpSpPr>
+        <a:xfrm>
+          <a:off x="0" y="0"/>
+          <a:ext cx="0" cy="0"/>
+          <a:chOff x="0" y="0"/>
+          <a:chExt cx="0" cy="0"/>
+        </a:xfrm>
+      </p:grpSpPr>
+      <p:sp>
+        <p:nvSpPr>
+          <p:cNvPr id="2" name="Pladsholder til diasbillede 1"/>
+          <p:cNvSpPr>
+            <a:spLocks noGrp="1" noRot="1" noChangeAspect="1"/>
+          </p:cNvSpPr>
+          <p:nvPr>
+            <p:ph type="sldImg"/>
+          </p:nvPr>
+        </p:nvSpPr>
+        <p:spPr/>
+      </p:sp>
+      <p:sp>
+        <p:nvSpPr>
+          <p:cNvPr id="3" name="Pladsholder til noter 2"/>
+          <p:cNvSpPr>
+            <a:spLocks noGrp="1"/>
+          </p:cNvSpPr>
+          <p:nvPr>
+            <p:ph type="body" idx="1"/>
+          </p:nvPr>
+        </p:nvSpPr>
+        <p:spPr/>
+        <p:txBody>
+          <a:bodyPr>
+            <a:normAutofit/>
+          </a:bodyPr>
+          <a:lstStyle/>
+          <a:p>
+            <a:r>
+              <a:rPr lang="da-DK" dirty="0" smtClean="0"/>
+              <a:t>Mikkel</a:t>
+            </a:r>
+            <a:endParaRPr lang="da-DK" dirty="0"/>
+          </a:p>
+        </p:txBody>
+      </p:sp>
+      <p:sp>
+        <p:nvSpPr>
+          <p:cNvPr id="4" name="Pladsholder til diasnummer 3"/>
+          <p:cNvSpPr>
+            <a:spLocks noGrp="1"/>
+          </p:cNvSpPr>
+          <p:nvPr>
+            <p:ph type="sldNum" sz="quarter" idx="10"/>
+          </p:nvPr>
+        </p:nvSpPr>
+        <p:spPr/>
+        <p:txBody>
+          <a:bodyPr/>
+          <a:lstStyle/>
+          <a:p>
+            <a:fld id="{C04A96C6-9E93-4606-A87C-DBADAE4B0405}" type="slidenum">
+              <a:rPr lang="da-DK" smtClean="0"/>
+              <a:pPr/>
+              <a:t>16</a:t>
             </a:fld>
             <a:endParaRPr lang="da-DK"/>
           </a:p>
@@ -5057,19 +5229,7 @@
           <a:p>
             <a:r>
               <a:rPr lang="en-US" dirty="0" smtClean="0"/>
-              <a:t>How have the upper and lower bounds of the Rubik's Cube </a:t>
-            </a:r>
-            <a:r>
-              <a:rPr lang="en-US" dirty="0" smtClean="0"/>
-              <a:t>progressed and </a:t>
-            </a:r>
-            <a:r>
-              <a:rPr lang="en-US" dirty="0" smtClean="0"/>
-              <a:t>how have they been proven</a:t>
-            </a:r>
-            <a:r>
-              <a:rPr lang="en-US" dirty="0" smtClean="0"/>
-              <a:t>?</a:t>
+              <a:t>How have the upper and lower bounds of the Rubik's Cube progressed and how have they been proven?</a:t>
             </a:r>
           </a:p>
           <a:p>
@@ -5114,11 +5274,7 @@
             </a:pPr>
             <a:r>
               <a:rPr lang="en-US" dirty="0" smtClean="0"/>
-              <a:t>	</a:t>
-            </a:r>
-            <a:r>
-              <a:rPr lang="en-US" dirty="0" smtClean="0"/>
-              <a:t>med </a:t>
+              <a:t>	med </a:t>
             </a:r>
             <a:r>
               <a:rPr lang="en-US" dirty="0" err="1" smtClean="0"/>
@@ -5290,15 +5446,7 @@
           <a:p>
             <a:r>
               <a:rPr lang="en-US" dirty="0" smtClean="0"/>
-              <a:t>How </a:t>
-            </a:r>
-            <a:r>
-              <a:rPr lang="en-US" dirty="0" smtClean="0"/>
-              <a:t>efficient </a:t>
-            </a:r>
-            <a:r>
-              <a:rPr lang="en-US" dirty="0" smtClean="0"/>
-              <a:t>is </a:t>
+              <a:t>How efficient is </a:t>
             </a:r>
             <a:r>
               <a:rPr lang="en-US" dirty="0" err="1" smtClean="0"/>
@@ -5306,19 +5454,7 @@
             </a:r>
             <a:r>
               <a:rPr lang="en-US" dirty="0" smtClean="0"/>
-              <a:t> optimal solver compared to </a:t>
-            </a:r>
-            <a:r>
-              <a:rPr lang="en-US" dirty="0" smtClean="0"/>
-              <a:t>beginner‘s algorithm </a:t>
-            </a:r>
-            <a:r>
-              <a:rPr lang="en-US" dirty="0" smtClean="0"/>
-              <a:t>and how can this be tested</a:t>
-            </a:r>
-            <a:r>
-              <a:rPr lang="en-US" dirty="0" smtClean="0"/>
-              <a:t>?</a:t>
+              <a:t> optimal solver compared to beginner‘s algorithm and how can this be tested?</a:t>
             </a:r>
           </a:p>
           <a:p>
@@ -5412,7 +5548,6 @@
               <a:rPr lang="en-US" dirty="0" smtClean="0"/>
               <a:t>Computer tests</a:t>
             </a:r>
-            <a:endParaRPr lang="en-US" dirty="0" smtClean="0"/>
           </a:p>
           <a:p>
             <a:endParaRPr lang="da-DK" dirty="0"/>
@@ -5474,15 +5609,78 @@
             <a:spLocks noGrp="1"/>
           </p:cNvSpPr>
           <p:nvPr>
-            <p:ph idx="1"/>
-          </p:nvPr>
-        </p:nvSpPr>
-        <p:spPr/>
-        <p:txBody>
-          <a:bodyPr/>
-          <a:lstStyle/>
-          <a:p>
-            <a:endParaRPr lang="da-DK"/>
+            <p:ph sz="half" idx="1"/>
+          </p:nvPr>
+        </p:nvSpPr>
+        <p:spPr/>
+        <p:txBody>
+          <a:bodyPr/>
+          <a:lstStyle/>
+          <a:p>
+            <a:r>
+              <a:rPr lang="da-DK" dirty="0" smtClean="0"/>
+              <a:t>Projektplanlægning</a:t>
+            </a:r>
+          </a:p>
+          <a:p>
+            <a:r>
+              <a:rPr lang="da-DK" dirty="0" smtClean="0"/>
+              <a:t>Gruppesamarbejde</a:t>
+            </a:r>
+          </a:p>
+          <a:p>
+            <a:pPr lvl="1"/>
+            <a:r>
+              <a:rPr lang="da-DK" dirty="0" smtClean="0"/>
+              <a:t>To mands grupper</a:t>
+            </a:r>
+          </a:p>
+          <a:p>
+            <a:pPr lvl="1"/>
+            <a:r>
+              <a:rPr lang="da-DK" dirty="0" smtClean="0"/>
+              <a:t>Rettelser løbende</a:t>
+            </a:r>
+          </a:p>
+          <a:p>
+            <a:r>
+              <a:rPr lang="da-DK" dirty="0" smtClean="0"/>
+              <a:t>Samarbejde med vejleder</a:t>
+            </a:r>
+          </a:p>
+          <a:p>
+            <a:r>
+              <a:rPr lang="da-DK" dirty="0" err="1" smtClean="0"/>
+              <a:t>Læringsmål</a:t>
+            </a:r>
+            <a:endParaRPr lang="da-DK" dirty="0" smtClean="0"/>
+          </a:p>
+          <a:p>
+            <a:pPr lvl="1"/>
+            <a:endParaRPr lang="da-DK" dirty="0" smtClean="0"/>
+          </a:p>
+        </p:txBody>
+      </p:sp>
+      <p:sp>
+        <p:nvSpPr>
+          <p:cNvPr id="4" name="Pladsholder til indhold 3"/>
+          <p:cNvSpPr>
+            <a:spLocks noGrp="1"/>
+          </p:cNvSpPr>
+          <p:nvPr>
+            <p:ph sz="half" idx="2"/>
+          </p:nvPr>
+        </p:nvSpPr>
+        <p:spPr/>
+        <p:txBody>
+          <a:bodyPr/>
+          <a:lstStyle/>
+          <a:p>
+            <a:r>
+              <a:rPr lang="da-DK" dirty="0" smtClean="0"/>
+              <a:t>Billede af tidsplan</a:t>
+            </a:r>
+            <a:endParaRPr lang="da-DK" dirty="0"/>
           </a:p>
         </p:txBody>
       </p:sp>
@@ -5546,10 +5744,62 @@
         </p:nvSpPr>
         <p:spPr/>
         <p:txBody>
-          <a:bodyPr/>
-          <a:lstStyle/>
-          <a:p>
-            <a:endParaRPr lang="da-DK"/>
+          <a:bodyPr>
+            <a:normAutofit lnSpcReduction="10000"/>
+          </a:bodyPr>
+          <a:lstStyle/>
+          <a:p>
+            <a:r>
+              <a:rPr lang="da-DK" dirty="0" smtClean="0"/>
+              <a:t>Gruppe Teori</a:t>
+            </a:r>
+          </a:p>
+          <a:p>
+            <a:r>
+              <a:rPr lang="da-DK" dirty="0" smtClean="0"/>
+              <a:t>Grænser</a:t>
+            </a:r>
+          </a:p>
+          <a:p>
+            <a:r>
+              <a:rPr lang="da-DK" dirty="0" smtClean="0"/>
+              <a:t>Begynderens Algoritme</a:t>
+            </a:r>
+          </a:p>
+          <a:p>
+            <a:r>
+              <a:rPr lang="da-DK" dirty="0" err="1" smtClean="0"/>
+              <a:t>Kociemba’s</a:t>
+            </a:r>
+            <a:r>
+              <a:rPr lang="da-DK" dirty="0" smtClean="0"/>
+              <a:t> Optimale Løser</a:t>
+            </a:r>
+          </a:p>
+          <a:p>
+            <a:r>
+              <a:rPr lang="da-DK" dirty="0" smtClean="0"/>
+              <a:t>Demonstration</a:t>
+            </a:r>
+          </a:p>
+          <a:p>
+            <a:r>
+              <a:rPr lang="da-DK" dirty="0" smtClean="0"/>
+              <a:t>Resultater</a:t>
+            </a:r>
+          </a:p>
+          <a:p>
+            <a:r>
+              <a:rPr lang="da-DK" dirty="0" smtClean="0"/>
+              <a:t>Konklusion</a:t>
+            </a:r>
+          </a:p>
+          <a:p>
+            <a:r>
+              <a:rPr lang="da-DK" dirty="0" err="1" smtClean="0"/>
+              <a:t>Processanalyse</a:t>
+            </a:r>
+            <a:endParaRPr lang="da-DK" dirty="0" smtClean="0"/>
           </a:p>
         </p:txBody>
       </p:sp>
@@ -5870,38 +6120,18 @@
           <a:bodyPr/>
           <a:lstStyle/>
           <a:p>
-            <a:endParaRPr lang="en-US" smtClean="0"/>
+            <a:endParaRPr lang="en-US" dirty="0" smtClean="0"/>
           </a:p>
           <a:p>
             <a:r>
               <a:rPr lang="en-US" dirty="0" smtClean="0"/>
-              <a:t>How </a:t>
-            </a:r>
+              <a:t>How have the upper and lower bounds of the Rubik's Cube progressed and how have they been proven?</a:t>
+            </a:r>
+          </a:p>
+          <a:p>
             <a:r>
               <a:rPr lang="en-US" dirty="0" smtClean="0"/>
-              <a:t>have the upper and lower bounds of the Rubik's Cube </a:t>
-            </a:r>
-            <a:r>
-              <a:rPr lang="en-US" dirty="0" smtClean="0"/>
-              <a:t>progressed and </a:t>
-            </a:r>
-            <a:r>
-              <a:rPr lang="en-US" dirty="0" smtClean="0"/>
-              <a:t>how have they been proven?</a:t>
-            </a:r>
-          </a:p>
-          <a:p>
-            <a:r>
-              <a:rPr lang="en-US" dirty="0" smtClean="0"/>
-              <a:t>How </a:t>
-            </a:r>
-            <a:r>
-              <a:rPr lang="en-US" dirty="0" smtClean="0"/>
-              <a:t>efficient </a:t>
-            </a:r>
-            <a:r>
-              <a:rPr lang="en-US" dirty="0" smtClean="0"/>
-              <a:t>is </a:t>
+              <a:t>How efficient is </a:t>
             </a:r>
             <a:r>
               <a:rPr lang="en-US" dirty="0" err="1" smtClean="0"/>
@@ -5909,15 +6139,7 @@
             </a:r>
             <a:r>
               <a:rPr lang="en-US" dirty="0" smtClean="0"/>
-              <a:t> optimal solver compared to </a:t>
-            </a:r>
-            <a:r>
-              <a:rPr lang="en-US" dirty="0" smtClean="0"/>
-              <a:t>beginner‘s algorithm </a:t>
-            </a:r>
-            <a:r>
-              <a:rPr lang="en-US" dirty="0" smtClean="0"/>
-              <a:t>and how can this be tested?</a:t>
+              <a:t> optimal solver compared to beginner‘s algorithm and how can this be tested?</a:t>
             </a:r>
             <a:endParaRPr lang="da-DK" dirty="0"/>
           </a:p>
@@ -5991,33 +6213,26 @@
         <p:spPr/>
         <p:txBody>
           <a:bodyPr>
-            <a:normAutofit/>
+            <a:normAutofit lnSpcReduction="10000"/>
           </a:bodyPr>
           <a:lstStyle/>
           <a:p>
             <a:r>
               <a:rPr lang="da-DK" dirty="0" smtClean="0"/>
-              <a:t>Gruppe </a:t>
-            </a:r>
-            <a:r>
-              <a:rPr lang="da-DK" dirty="0" smtClean="0"/>
-              <a:t>Teori</a:t>
-            </a:r>
-            <a:endParaRPr lang="da-DK" dirty="0" smtClean="0"/>
+              <a:t>Gruppe Teori</a:t>
+            </a:r>
           </a:p>
           <a:p>
             <a:r>
               <a:rPr lang="da-DK" dirty="0" smtClean="0"/>
               <a:t>Grænser</a:t>
             </a:r>
-            <a:endParaRPr lang="da-DK" dirty="0" smtClean="0"/>
           </a:p>
           <a:p>
             <a:r>
               <a:rPr lang="da-DK" dirty="0" smtClean="0"/>
               <a:t>Begynderens Algoritme</a:t>
             </a:r>
-            <a:endParaRPr lang="da-DK" dirty="0" smtClean="0"/>
           </a:p>
           <a:p>
             <a:r>
@@ -6026,32 +6241,33 @@
             </a:r>
             <a:r>
               <a:rPr lang="da-DK" dirty="0" smtClean="0"/>
-              <a:t> </a:t>
-            </a:r>
-            <a:r>
-              <a:rPr lang="da-DK" dirty="0" smtClean="0"/>
-              <a:t>Optimale Løser</a:t>
+              <a:t> Optimale Løser</a:t>
+            </a:r>
+          </a:p>
+          <a:p>
+            <a:r>
+              <a:rPr lang="da-DK" dirty="0" smtClean="0"/>
+              <a:t>Demonstration</a:t>
+            </a:r>
+          </a:p>
+          <a:p>
+            <a:r>
+              <a:rPr lang="da-DK" dirty="0" smtClean="0"/>
+              <a:t>Resultater</a:t>
+            </a:r>
+          </a:p>
+          <a:p>
+            <a:r>
+              <a:rPr lang="da-DK" dirty="0" smtClean="0"/>
+              <a:t>Konklusion</a:t>
+            </a:r>
+          </a:p>
+          <a:p>
+            <a:r>
+              <a:rPr lang="da-DK" dirty="0" err="1" smtClean="0"/>
+              <a:t>Processanalyse</a:t>
             </a:r>
             <a:endParaRPr lang="da-DK" dirty="0" smtClean="0"/>
-          </a:p>
-          <a:p>
-            <a:r>
-              <a:rPr lang="da-DK" dirty="0" smtClean="0"/>
-              <a:t>Demonstration</a:t>
-            </a:r>
-            <a:endParaRPr lang="da-DK" dirty="0" smtClean="0"/>
-          </a:p>
-          <a:p>
-            <a:r>
-              <a:rPr lang="da-DK" dirty="0" smtClean="0"/>
-              <a:t>Resultater</a:t>
-            </a:r>
-          </a:p>
-          <a:p>
-            <a:r>
-              <a:rPr lang="da-DK" dirty="0" smtClean="0"/>
-              <a:t>Konklusion</a:t>
-            </a:r>
           </a:p>
         </p:txBody>
       </p:sp>
@@ -6467,11 +6683,7 @@
           <a:p>
             <a:r>
               <a:rPr lang="da-DK" dirty="0" smtClean="0"/>
-              <a:t>Begynderens </a:t>
-            </a:r>
-            <a:r>
-              <a:rPr lang="da-DK" dirty="0" smtClean="0"/>
-              <a:t>Algoritme</a:t>
+              <a:t>Begynderens Algoritme</a:t>
             </a:r>
             <a:endParaRPr lang="da-DK" dirty="0"/>
           </a:p>
@@ -6595,11 +6807,7 @@
             </a:r>
             <a:r>
               <a:rPr lang="da-DK" dirty="0" smtClean="0"/>
-              <a:t> </a:t>
-            </a:r>
-            <a:r>
-              <a:rPr lang="da-DK" dirty="0" smtClean="0"/>
-              <a:t>Optimale Løser</a:t>
+              <a:t> Optimale Løser</a:t>
             </a:r>
             <a:endParaRPr lang="da-DK" dirty="0"/>
           </a:p>
